--- a/Reflection.pptx
+++ b/Reflection.pptx
@@ -3175,7 +3175,12 @@
             <p:ph type="ctrTitle"/>
           </p:nvPr>
         </p:nvSpPr>
-        <p:spPr/>
+        <p:spPr>
+          <a:xfrm>
+            <a:off x="1524000" y="506626"/>
+            <a:ext cx="9144000" cy="3447535"/>
+          </a:xfrm>
+        </p:spPr>
         <p:style>
           <a:lnRef idx="1">
             <a:schemeClr val="accent6"/>
@@ -3191,7 +3196,7 @@
           </a:fontRef>
         </p:style>
         <p:txBody>
-          <a:bodyPr/>
+          <a:bodyPr anchor="ctr"/>
           <a:lstStyle/>
           <a:p>
             <a:r>
